--- a/pp1.pptx
+++ b/pp1.pptx
@@ -106,6 +106,11 @@
       </a:defRPr>
     </a:lvl9pPr>
   </p:defaultTextStyle>
+  <p:extLst>
+    <p:ext uri="{EFAFB233-063F-42B5-8137-9DF3F51BA10A}">
+      <p15:sldGuideLst xmlns:p15="http://schemas.microsoft.com/office/powerpoint/2012/main"/>
+    </p:ext>
+  </p:extLst>
 </p:presentation>
 </file>
 
@@ -154,7 +159,6 @@
               <a:rPr lang="en-US"/>
               <a:t>Click to edit Master title style</a:t>
             </a:r>
-            <a:endParaRPr lang="en-US"/>
           </a:p>
         </p:txBody>
       </p:sp>
@@ -219,7 +223,6 @@
               <a:rPr lang="en-US"/>
               <a:t>Click to edit Master subtitle style</a:t>
             </a:r>
-            <a:endParaRPr lang="en-US"/>
           </a:p>
         </p:txBody>
       </p:sp>
@@ -337,7 +340,6 @@
               <a:rPr lang="en-US"/>
               <a:t>Click to edit Master title style</a:t>
             </a:r>
-            <a:endParaRPr lang="en-US"/>
           </a:p>
         </p:txBody>
       </p:sp>
@@ -389,7 +391,6 @@
               <a:rPr lang="en-US"/>
               <a:t>Fifth level</a:t>
             </a:r>
-            <a:endParaRPr lang="en-US"/>
           </a:p>
         </p:txBody>
       </p:sp>
@@ -512,7 +513,6 @@
               <a:rPr lang="en-US"/>
               <a:t>Click to edit Master title style</a:t>
             </a:r>
-            <a:endParaRPr lang="en-US"/>
           </a:p>
         </p:txBody>
       </p:sp>
@@ -569,7 +569,6 @@
               <a:rPr lang="en-US"/>
               <a:t>Fifth level</a:t>
             </a:r>
-            <a:endParaRPr lang="en-US"/>
           </a:p>
         </p:txBody>
       </p:sp>
@@ -687,7 +686,6 @@
               <a:rPr lang="en-US"/>
               <a:t>Click to edit Master title style</a:t>
             </a:r>
-            <a:endParaRPr lang="en-US"/>
           </a:p>
         </p:txBody>
       </p:sp>
@@ -739,7 +737,6 @@
               <a:rPr lang="en-US"/>
               <a:t>Fifth level</a:t>
             </a:r>
-            <a:endParaRPr lang="en-US"/>
           </a:p>
         </p:txBody>
       </p:sp>
@@ -866,7 +863,6 @@
               <a:rPr lang="en-US"/>
               <a:t>Click to edit Master title style</a:t>
             </a:r>
-            <a:endParaRPr lang="en-US"/>
           </a:p>
         </p:txBody>
       </p:sp>
@@ -1103,7 +1099,6 @@
               <a:rPr lang="en-US"/>
               <a:t>Click to edit Master title style</a:t>
             </a:r>
-            <a:endParaRPr lang="en-US"/>
           </a:p>
         </p:txBody>
       </p:sp>
@@ -1160,7 +1155,6 @@
               <a:rPr lang="en-US"/>
               <a:t>Fifth level</a:t>
             </a:r>
-            <a:endParaRPr lang="en-US"/>
           </a:p>
         </p:txBody>
       </p:sp>
@@ -1217,7 +1211,6 @@
               <a:rPr lang="en-US"/>
               <a:t>Fifth level</a:t>
             </a:r>
-            <a:endParaRPr lang="en-US"/>
           </a:p>
         </p:txBody>
       </p:sp>
@@ -1340,7 +1333,6 @@
               <a:rPr lang="en-US"/>
               <a:t>Click to edit Master title style</a:t>
             </a:r>
-            <a:endParaRPr lang="en-US"/>
           </a:p>
         </p:txBody>
       </p:sp>
@@ -1462,7 +1454,6 @@
               <a:rPr lang="en-US"/>
               <a:t>Fifth level</a:t>
             </a:r>
-            <a:endParaRPr lang="en-US"/>
           </a:p>
         </p:txBody>
       </p:sp>
@@ -1584,7 +1575,6 @@
               <a:rPr lang="en-US"/>
               <a:t>Fifth level</a:t>
             </a:r>
-            <a:endParaRPr lang="en-US"/>
           </a:p>
         </p:txBody>
       </p:sp>
@@ -1702,7 +1692,6 @@
               <a:rPr lang="en-US"/>
               <a:t>Click to edit Master title style</a:t>
             </a:r>
-            <a:endParaRPr lang="en-US"/>
           </a:p>
         </p:txBody>
       </p:sp>
@@ -1924,7 +1913,6 @@
               <a:rPr lang="en-US"/>
               <a:t>Click to edit Master title style</a:t>
             </a:r>
-            <a:endParaRPr lang="en-US"/>
           </a:p>
         </p:txBody>
       </p:sp>
@@ -2009,7 +1997,6 @@
               <a:rPr lang="en-US"/>
               <a:t>Fifth level</a:t>
             </a:r>
-            <a:endParaRPr lang="en-US"/>
           </a:p>
         </p:txBody>
       </p:sp>
@@ -2201,7 +2188,6 @@
               <a:rPr lang="en-US"/>
               <a:t>Click to edit Master title style</a:t>
             </a:r>
-            <a:endParaRPr lang="en-US"/>
           </a:p>
         </p:txBody>
       </p:sp>
@@ -2460,7 +2446,6 @@
               <a:rPr lang="en-US"/>
               <a:t>Click to edit Master title style</a:t>
             </a:r>
-            <a:endParaRPr lang="en-US"/>
           </a:p>
         </p:txBody>
       </p:sp>
@@ -2522,7 +2507,6 @@
               <a:rPr lang="en-US"/>
               <a:t>Fifth level</a:t>
             </a:r>
-            <a:endParaRPr lang="en-US"/>
           </a:p>
         </p:txBody>
       </p:sp>
@@ -2981,7 +2965,14 @@
           <a:bodyPr/>
           <a:lstStyle/>
           <a:p>
-            <a:endParaRPr lang="en-US"/>
+            <a:r>
+              <a:rPr lang="en-US" dirty="0"/>
+              <a:t>Pool</a:t>
+            </a:r>
+            <a:br>
+              <a:rPr lang="en-US" dirty="0"/>
+            </a:br>
+            <a:endParaRPr lang="en-US" dirty="0"/>
           </a:p>
         </p:txBody>
       </p:sp>
@@ -3000,7 +2991,14 @@
           <a:bodyPr/>
           <a:lstStyle/>
           <a:p>
-            <a:endParaRPr lang="en-US"/>
+            <a:r>
+              <a:rPr lang="en-US" dirty="0" err="1"/>
+              <a:t>Ppt</a:t>
+            </a:r>
+            <a:endParaRPr lang="en-US" dirty="0"/>
+          </a:p>
+          <a:p>
+            <a:endParaRPr lang="en-US" dirty="0"/>
           </a:p>
         </p:txBody>
       </p:sp>
